--- a/DsDotNet/src/UnitTest/UnitTest.Model/ImportOfficeExample/Sample/Sub/Sub/Sub/StationRH.pptx
+++ b/DsDotNet/src/UnitTest/UnitTest.Model/ImportOfficeExample/Sample/Sub/Sub/Sub/StationRH.pptx
@@ -7526,7 +7526,7 @@
             <a:pPr algn="ctr"/>
             <a:r>
               <a:rPr lang="en-US" altLang="ko-KR" sz="900" dirty="0"/>
-              <a:t>[RbtWeld01]2</a:t>
+              <a:t>[RbtWeld01]</a:t>
             </a:r>
             <a:endParaRPr lang="ko-KR" altLang="en-US" sz="900" dirty="0"/>
           </a:p>
@@ -7591,7 +7591,7 @@
             <a:pPr algn="ctr"/>
             <a:r>
               <a:rPr lang="en-US" altLang="ko-KR" sz="900" dirty="0"/>
-              <a:t>[2ndClamp01]3</a:t>
+              <a:t>[2ndClamp01]</a:t>
             </a:r>
             <a:endParaRPr lang="ko-KR" altLang="en-US" sz="900" dirty="0"/>
           </a:p>
@@ -7656,7 +7656,7 @@
             <a:pPr algn="ctr"/>
             <a:r>
               <a:rPr lang="en-US" altLang="ko-KR" sz="900" dirty="0"/>
-              <a:t>[1stClamp01]2</a:t>
+              <a:t>[1stClamp01]</a:t>
             </a:r>
             <a:endParaRPr lang="ko-KR" altLang="en-US" sz="900" dirty="0"/>
           </a:p>
@@ -10707,7 +10707,7 @@
             <a:pPr algn="ctr"/>
             <a:r>
               <a:rPr lang="en-US" altLang="ko-KR" sz="900" dirty="0"/>
-              <a:t>[RbtWeld02]2</a:t>
+              <a:t>[RbtWeld02]</a:t>
             </a:r>
             <a:endParaRPr lang="ko-KR" altLang="en-US" sz="900" dirty="0"/>
           </a:p>
@@ -10772,7 +10772,7 @@
             <a:pPr algn="ctr"/>
             <a:r>
               <a:rPr lang="en-US" altLang="ko-KR" sz="900" dirty="0"/>
-              <a:t>[2ndClamp02]3</a:t>
+              <a:t>[2ndClamp02]</a:t>
             </a:r>
             <a:endParaRPr lang="ko-KR" altLang="en-US" sz="900" dirty="0"/>
           </a:p>
